--- a/ERD연습.pptx
+++ b/ERD연습.pptx
@@ -109,6 +109,22 @@
       </a:defRPr>
     </a:lvl9pPr>
   </p:defaultTextStyle>
+  <p:extLst>
+    <p:ext uri="{EFAFB233-063F-42B5-8137-9DF3F51BA10A}">
+      <p15:sldGuideLst xmlns:p15="http://schemas.microsoft.com/office/powerpoint/2012/main">
+        <p15:guide id="1" orient="horz" pos="2160">
+          <p15:clr>
+            <a:srgbClr val="A4A3A4"/>
+          </p15:clr>
+        </p15:guide>
+        <p15:guide id="2" pos="2880">
+          <p15:clr>
+            <a:srgbClr val="A4A3A4"/>
+          </p15:clr>
+        </p15:guide>
+      </p15:sldGuideLst>
+    </p:ext>
+  </p:extLst>
 </p:presentation>
 </file>
 
@@ -293,7 +309,7 @@
           <a:p>
             <a:fld id="{B9CED013-6F44-417D-A1B3-0458DD304B46}" type="datetimeFigureOut">
               <a:rPr lang="ko-KR" altLang="en-US" smtClean="0"/>
-              <a:t>2021-03-17</a:t>
+              <a:t>2021-03-22</a:t>
             </a:fld>
             <a:endParaRPr lang="ko-KR" altLang="en-US"/>
           </a:p>
@@ -463,7 +479,7 @@
           <a:p>
             <a:fld id="{B9CED013-6F44-417D-A1B3-0458DD304B46}" type="datetimeFigureOut">
               <a:rPr lang="ko-KR" altLang="en-US" smtClean="0"/>
-              <a:t>2021-03-17</a:t>
+              <a:t>2021-03-22</a:t>
             </a:fld>
             <a:endParaRPr lang="ko-KR" altLang="en-US"/>
           </a:p>
@@ -643,7 +659,7 @@
           <a:p>
             <a:fld id="{B9CED013-6F44-417D-A1B3-0458DD304B46}" type="datetimeFigureOut">
               <a:rPr lang="ko-KR" altLang="en-US" smtClean="0"/>
-              <a:t>2021-03-17</a:t>
+              <a:t>2021-03-22</a:t>
             </a:fld>
             <a:endParaRPr lang="ko-KR" altLang="en-US"/>
           </a:p>
@@ -813,7 +829,7 @@
           <a:p>
             <a:fld id="{B9CED013-6F44-417D-A1B3-0458DD304B46}" type="datetimeFigureOut">
               <a:rPr lang="ko-KR" altLang="en-US" smtClean="0"/>
-              <a:t>2021-03-17</a:t>
+              <a:t>2021-03-22</a:t>
             </a:fld>
             <a:endParaRPr lang="ko-KR" altLang="en-US"/>
           </a:p>
@@ -1059,7 +1075,7 @@
           <a:p>
             <a:fld id="{B9CED013-6F44-417D-A1B3-0458DD304B46}" type="datetimeFigureOut">
               <a:rPr lang="ko-KR" altLang="en-US" smtClean="0"/>
-              <a:t>2021-03-17</a:t>
+              <a:t>2021-03-22</a:t>
             </a:fld>
             <a:endParaRPr lang="ko-KR" altLang="en-US"/>
           </a:p>
@@ -1347,7 +1363,7 @@
           <a:p>
             <a:fld id="{B9CED013-6F44-417D-A1B3-0458DD304B46}" type="datetimeFigureOut">
               <a:rPr lang="ko-KR" altLang="en-US" smtClean="0"/>
-              <a:t>2021-03-17</a:t>
+              <a:t>2021-03-22</a:t>
             </a:fld>
             <a:endParaRPr lang="ko-KR" altLang="en-US"/>
           </a:p>
@@ -1769,7 +1785,7 @@
           <a:p>
             <a:fld id="{B9CED013-6F44-417D-A1B3-0458DD304B46}" type="datetimeFigureOut">
               <a:rPr lang="ko-KR" altLang="en-US" smtClean="0"/>
-              <a:t>2021-03-17</a:t>
+              <a:t>2021-03-22</a:t>
             </a:fld>
             <a:endParaRPr lang="ko-KR" altLang="en-US"/>
           </a:p>
@@ -1887,7 +1903,7 @@
           <a:p>
             <a:fld id="{B9CED013-6F44-417D-A1B3-0458DD304B46}" type="datetimeFigureOut">
               <a:rPr lang="ko-KR" altLang="en-US" smtClean="0"/>
-              <a:t>2021-03-17</a:t>
+              <a:t>2021-03-22</a:t>
             </a:fld>
             <a:endParaRPr lang="ko-KR" altLang="en-US"/>
           </a:p>
@@ -1982,7 +1998,7 @@
           <a:p>
             <a:fld id="{B9CED013-6F44-417D-A1B3-0458DD304B46}" type="datetimeFigureOut">
               <a:rPr lang="ko-KR" altLang="en-US" smtClean="0"/>
-              <a:t>2021-03-17</a:t>
+              <a:t>2021-03-22</a:t>
             </a:fld>
             <a:endParaRPr lang="ko-KR" altLang="en-US"/>
           </a:p>
@@ -2259,7 +2275,7 @@
           <a:p>
             <a:fld id="{B9CED013-6F44-417D-A1B3-0458DD304B46}" type="datetimeFigureOut">
               <a:rPr lang="ko-KR" altLang="en-US" smtClean="0"/>
-              <a:t>2021-03-17</a:t>
+              <a:t>2021-03-22</a:t>
             </a:fld>
             <a:endParaRPr lang="ko-KR" altLang="en-US"/>
           </a:p>
@@ -2512,7 +2528,7 @@
           <a:p>
             <a:fld id="{B9CED013-6F44-417D-A1B3-0458DD304B46}" type="datetimeFigureOut">
               <a:rPr lang="ko-KR" altLang="en-US" smtClean="0"/>
-              <a:t>2021-03-17</a:t>
+              <a:t>2021-03-22</a:t>
             </a:fld>
             <a:endParaRPr lang="ko-KR" altLang="en-US"/>
           </a:p>
@@ -2725,7 +2741,7 @@
           <a:p>
             <a:fld id="{B9CED013-6F44-417D-A1B3-0458DD304B46}" type="datetimeFigureOut">
               <a:rPr lang="ko-KR" altLang="en-US" smtClean="0"/>
-              <a:t>2021-03-17</a:t>
+              <a:t>2021-03-22</a:t>
             </a:fld>
             <a:endParaRPr lang="ko-KR" altLang="en-US"/>
           </a:p>
@@ -10018,7 +10034,7 @@
                   <a:schemeClr val="accent3"/>
                 </a:solidFill>
               </a:rPr>
-              <a:t>1</a:t>
+              <a:t>M</a:t>
             </a:r>
             <a:endParaRPr lang="ko-KR" altLang="en-US" dirty="0">
               <a:solidFill>
